--- a/UdemyJavaMasterclass/_29 - Working with Databases/Introduction.pptx
+++ b/UdemyJavaMasterclass/_29 - Working with Databases/Introduction.pptx
@@ -3166,6 +3166,65 @@
           <a:chExt cx="0" cy="0"/>
         </a:xfrm>
       </p:grpSpPr>
+      <p:cxnSp>
+        <p:nvCxnSpPr>
+          <p:cNvPr id="2" name="Straight Connector 1">
+            <a:extLst>
+              <a:ext uri="{FF2B5EF4-FFF2-40B4-BE49-F238E27FC236}">
+                <a16:creationId xmlns:a16="http://schemas.microsoft.com/office/drawing/2014/main" id="{20B82177-F8DB-9611-43F1-77529209F4FA}"/>
+              </a:ext>
+            </a:extLst>
+          </p:cNvPr>
+          <p:cNvCxnSpPr/>
+          <p:nvPr/>
+        </p:nvCxnSpPr>
+        <p:spPr>
+          <a:xfrm>
+            <a:off x="0" y="0"/>
+            <a:ext cx="914400" cy="0"/>
+          </a:xfrm>
+          <a:prstGeom prst="line">
+            <a:avLst/>
+          </a:prstGeom>
+          <a:noFill/>
+          <a:ln w="0" cap="flat" cmpd="sng" algn="ctr">
+            <a:solidFill>
+              <a:srgbClr val="FBFFFF"/>
+            </a:solidFill>
+            <a:prstDash val="solid"/>
+            <a:miter lim="400000"/>
+            <a:headEnd type="none" w="med" len="med"/>
+            <a:tailEnd type="none" w="med" len="med"/>
+          </a:ln>
+          <a:effectLst/>
+          <a:extLst>
+            <a:ext uri="{AF507438-7753-43E0-B8FC-AC1667EBCBE1}">
+              <a14:hiddenEffects xmlns:a14="http://schemas.microsoft.com/office/drawing/2010/main">
+                <a:effectLst>
+                  <a:outerShdw blurRad="63500" rotWithShape="0">
+                    <a:scrgbClr r="0" g="0" b="0"/>
+                  </a:outerShdw>
+                </a:effectLst>
+              </a14:hiddenEffects>
+            </a:ext>
+            <a:ext uri="{E45631CC-5BF2-4C18-A39C-3461C7D3F71A}">
+              <a14:hiddenSp3d xmlns:a14="http://schemas.microsoft.com/office/drawing/2010/main"/>
+            </a:ext>
+          </a:extLst>
+        </p:spPr>
+        <p:style>
+          <a:lnRef idx="0">
+            <a:scrgbClr r="0" g="0" b="0"/>
+          </a:lnRef>
+          <a:fillRef idx="0">
+            <a:scrgbClr r="0" g="0" b="0"/>
+          </a:fillRef>
+          <a:effectRef idx="0">
+            <a:scrgbClr r="0" g="0" b="0"/>
+          </a:effectRef>
+          <a:fontRef idx="none"/>
+        </p:style>
+      </p:cxnSp>
       <p:sp>
         <p:nvSpPr>
           <p:cNvPr id="126" name="Shape 126"/>
@@ -3537,6 +3596,65 @@
           <a:chExt cx="0" cy="0"/>
         </a:xfrm>
       </p:grpSpPr>
+      <p:cxnSp>
+        <p:nvCxnSpPr>
+          <p:cNvPr id="2" name="Straight Connector 1">
+            <a:extLst>
+              <a:ext uri="{FF2B5EF4-FFF2-40B4-BE49-F238E27FC236}">
+                <a16:creationId xmlns:a16="http://schemas.microsoft.com/office/drawing/2014/main" id="{626A96FB-F2A6-4D92-76B5-A182367D43CF}"/>
+              </a:ext>
+            </a:extLst>
+          </p:cNvPr>
+          <p:cNvCxnSpPr/>
+          <p:nvPr/>
+        </p:nvCxnSpPr>
+        <p:spPr>
+          <a:xfrm>
+            <a:off x="0" y="0"/>
+            <a:ext cx="914400" cy="0"/>
+          </a:xfrm>
+          <a:prstGeom prst="line">
+            <a:avLst/>
+          </a:prstGeom>
+          <a:noFill/>
+          <a:ln w="0" cap="flat" cmpd="sng" algn="ctr">
+            <a:solidFill>
+              <a:srgbClr val="FBFFFF"/>
+            </a:solidFill>
+            <a:prstDash val="solid"/>
+            <a:miter lim="400000"/>
+            <a:headEnd type="none" w="med" len="med"/>
+            <a:tailEnd type="none" w="med" len="med"/>
+          </a:ln>
+          <a:effectLst/>
+          <a:extLst>
+            <a:ext uri="{AF507438-7753-43E0-B8FC-AC1667EBCBE1}">
+              <a14:hiddenEffects xmlns:a14="http://schemas.microsoft.com/office/drawing/2010/main">
+                <a:effectLst>
+                  <a:outerShdw blurRad="63500" rotWithShape="0">
+                    <a:scrgbClr r="0" g="0" b="0"/>
+                  </a:outerShdw>
+                </a:effectLst>
+              </a14:hiddenEffects>
+            </a:ext>
+            <a:ext uri="{E45631CC-5BF2-4C18-A39C-3461C7D3F71A}">
+              <a14:hiddenSp3d xmlns:a14="http://schemas.microsoft.com/office/drawing/2010/main"/>
+            </a:ext>
+          </a:extLst>
+        </p:spPr>
+        <p:style>
+          <a:lnRef idx="0">
+            <a:scrgbClr r="0" g="0" b="0"/>
+          </a:lnRef>
+          <a:fillRef idx="0">
+            <a:scrgbClr r="0" g="0" b="0"/>
+          </a:fillRef>
+          <a:effectRef idx="0">
+            <a:scrgbClr r="0" g="0" b="0"/>
+          </a:effectRef>
+          <a:fontRef idx="none"/>
+        </p:style>
+      </p:cxnSp>
       <p:sp>
         <p:nvSpPr>
           <p:cNvPr id="126" name="Shape 126"/>
@@ -3908,6 +4026,65 @@
           <a:chExt cx="0" cy="0"/>
         </a:xfrm>
       </p:grpSpPr>
+      <p:cxnSp>
+        <p:nvCxnSpPr>
+          <p:cNvPr id="2" name="Straight Connector 1">
+            <a:extLst>
+              <a:ext uri="{FF2B5EF4-FFF2-40B4-BE49-F238E27FC236}">
+                <a16:creationId xmlns:a16="http://schemas.microsoft.com/office/drawing/2014/main" id="{345DB4D8-0BCF-C3C2-2AC5-E725AF0D07A9}"/>
+              </a:ext>
+            </a:extLst>
+          </p:cNvPr>
+          <p:cNvCxnSpPr/>
+          <p:nvPr/>
+        </p:nvCxnSpPr>
+        <p:spPr>
+          <a:xfrm>
+            <a:off x="0" y="0"/>
+            <a:ext cx="914400" cy="0"/>
+          </a:xfrm>
+          <a:prstGeom prst="line">
+            <a:avLst/>
+          </a:prstGeom>
+          <a:noFill/>
+          <a:ln w="0" cap="flat" cmpd="sng" algn="ctr">
+            <a:solidFill>
+              <a:srgbClr val="FBFFFF"/>
+            </a:solidFill>
+            <a:prstDash val="solid"/>
+            <a:miter lim="400000"/>
+            <a:headEnd type="none" w="med" len="med"/>
+            <a:tailEnd type="none" w="med" len="med"/>
+          </a:ln>
+          <a:effectLst/>
+          <a:extLst>
+            <a:ext uri="{AF507438-7753-43E0-B8FC-AC1667EBCBE1}">
+              <a14:hiddenEffects xmlns:a14="http://schemas.microsoft.com/office/drawing/2010/main">
+                <a:effectLst>
+                  <a:outerShdw blurRad="63500" rotWithShape="0">
+                    <a:scrgbClr r="0" g="0" b="0"/>
+                  </a:outerShdw>
+                </a:effectLst>
+              </a14:hiddenEffects>
+            </a:ext>
+            <a:ext uri="{E45631CC-5BF2-4C18-A39C-3461C7D3F71A}">
+              <a14:hiddenSp3d xmlns:a14="http://schemas.microsoft.com/office/drawing/2010/main"/>
+            </a:ext>
+          </a:extLst>
+        </p:spPr>
+        <p:style>
+          <a:lnRef idx="0">
+            <a:scrgbClr r="0" g="0" b="0"/>
+          </a:lnRef>
+          <a:fillRef idx="0">
+            <a:scrgbClr r="0" g="0" b="0"/>
+          </a:fillRef>
+          <a:effectRef idx="0">
+            <a:scrgbClr r="0" g="0" b="0"/>
+          </a:effectRef>
+          <a:fontRef idx="none"/>
+        </p:style>
+      </p:cxnSp>
       <p:sp>
         <p:nvSpPr>
           <p:cNvPr id="126" name="Shape 126"/>
@@ -4263,6 +4440,65 @@
           <a:chExt cx="0" cy="0"/>
         </a:xfrm>
       </p:grpSpPr>
+      <p:cxnSp>
+        <p:nvCxnSpPr>
+          <p:cNvPr id="3" name="Straight Connector 2">
+            <a:extLst>
+              <a:ext uri="{FF2B5EF4-FFF2-40B4-BE49-F238E27FC236}">
+                <a16:creationId xmlns:a16="http://schemas.microsoft.com/office/drawing/2014/main" id="{C793E010-22CC-C07F-80D1-1CDB4977AA3D}"/>
+              </a:ext>
+            </a:extLst>
+          </p:cNvPr>
+          <p:cNvCxnSpPr/>
+          <p:nvPr/>
+        </p:nvCxnSpPr>
+        <p:spPr>
+          <a:xfrm>
+            <a:off x="0" y="0"/>
+            <a:ext cx="914400" cy="0"/>
+          </a:xfrm>
+          <a:prstGeom prst="line">
+            <a:avLst/>
+          </a:prstGeom>
+          <a:noFill/>
+          <a:ln w="0" cap="flat" cmpd="sng" algn="ctr">
+            <a:solidFill>
+              <a:srgbClr val="FBFFFF"/>
+            </a:solidFill>
+            <a:prstDash val="solid"/>
+            <a:miter lim="400000"/>
+            <a:headEnd type="none" w="med" len="med"/>
+            <a:tailEnd type="none" w="med" len="med"/>
+          </a:ln>
+          <a:effectLst/>
+          <a:extLst>
+            <a:ext uri="{AF507438-7753-43E0-B8FC-AC1667EBCBE1}">
+              <a14:hiddenEffects xmlns:a14="http://schemas.microsoft.com/office/drawing/2010/main">
+                <a:effectLst>
+                  <a:outerShdw blurRad="63500" rotWithShape="0">
+                    <a:scrgbClr r="0" g="0" b="0"/>
+                  </a:outerShdw>
+                </a:effectLst>
+              </a14:hiddenEffects>
+            </a:ext>
+            <a:ext uri="{E45631CC-5BF2-4C18-A39C-3461C7D3F71A}">
+              <a14:hiddenSp3d xmlns:a14="http://schemas.microsoft.com/office/drawing/2010/main"/>
+            </a:ext>
+          </a:extLst>
+        </p:spPr>
+        <p:style>
+          <a:lnRef idx="0">
+            <a:scrgbClr r="0" g="0" b="0"/>
+          </a:lnRef>
+          <a:fillRef idx="0">
+            <a:scrgbClr r="0" g="0" b="0"/>
+          </a:fillRef>
+          <a:effectRef idx="0">
+            <a:scrgbClr r="0" g="0" b="0"/>
+          </a:effectRef>
+          <a:fontRef idx="none"/>
+        </p:style>
+      </p:cxnSp>
       <p:sp>
         <p:nvSpPr>
           <p:cNvPr id="126" name="Shape 126"/>
